--- a/figure6.pptx
+++ b/figure6.pptx
@@ -104,6 +104,22 @@
       </a:defRPr>
     </a:lvl9pPr>
   </p:defaultTextStyle>
+  <p:extLst>
+    <p:ext uri="{EFAFB233-063F-42B5-8137-9DF3F51BA10A}">
+      <p15:sldGuideLst xmlns:p15="http://schemas.microsoft.com/office/powerpoint/2012/main">
+        <p15:guide id="1" orient="horz" pos="5800">
+          <p15:clr>
+            <a:srgbClr val="A4A3A4"/>
+          </p15:clr>
+        </p15:guide>
+        <p15:guide id="2" pos="6049">
+          <p15:clr>
+            <a:srgbClr val="A4A3A4"/>
+          </p15:clr>
+        </p15:guide>
+      </p15:sldGuideLst>
+    </p:ext>
+  </p:extLst>
 </p:presentation>
 </file>
 
@@ -5684,15 +5700,7 @@
                   <a:srgbClr val="3F793D"/>
                 </a:solidFill>
               </a:rPr>
-              <a:t>Cluster </a:t>
-            </a:r>
-            <a:r>
-              <a:rPr lang="en-US" sz="4400" dirty="0" smtClean="0">
-                <a:solidFill>
-                  <a:srgbClr val="3F793D"/>
-                </a:solidFill>
-              </a:rPr>
-              <a:t>1</a:t>
+              <a:t>Cluster 1</a:t>
             </a:r>
           </a:p>
         </p:txBody>
@@ -5745,8 +5753,29 @@
                   <a:srgbClr val="3F793D"/>
                 </a:solidFill>
               </a:rPr>
-              <a:t>Hierarchical Clustering: Cluster 1</a:t>
-            </a:r>
+              <a:t>Hierarchical Clustering: </a:t>
+            </a:r>
+            <a:r>
+              <a:rPr lang="en-US" sz="4400" smtClean="0">
+                <a:solidFill>
+                  <a:srgbClr val="3F793D"/>
+                </a:solidFill>
+              </a:rPr>
+              <a:t>Cluster </a:t>
+            </a:r>
+            <a:r>
+              <a:rPr lang="en-US" sz="4400" smtClean="0">
+                <a:solidFill>
+                  <a:srgbClr val="3F793D"/>
+                </a:solidFill>
+              </a:rPr>
+              <a:t>2</a:t>
+            </a:r>
+            <a:endParaRPr lang="en-US" sz="4400" dirty="0" smtClean="0">
+              <a:solidFill>
+                <a:srgbClr val="3F793D"/>
+              </a:solidFill>
+            </a:endParaRPr>
           </a:p>
         </p:txBody>
       </p:sp>
